--- a/Courses/Computer-Modeling-and-IT/Computer-Modeling-and-IT-6-Class/27-{last-number}-Python/29-Cyclic-Algorithm-Implementation/29-Cyclic-Algorithm-Implementation.pptx
+++ b/Courses/Computer-Modeling-and-IT/Computer-Modeling-and-IT-6-Class/27-{last-number}-Python/29-Cyclic-Algorithm-Implementation/29-Cyclic-Algorithm-Implementation.pptx
@@ -315,7 +315,7 @@
           <a:p>
             <a:fld id="{4E087215-0C8F-4762-A664-737A353EC9A4}" type="datetimeFigureOut">
               <a:rPr lang="bg-BG" smtClean="0"/>
-              <a:t>11.11.2024 г.</a:t>
+              <a:t>27.11.2024 г.</a:t>
             </a:fld>
             <a:endParaRPr lang="bg-BG"/>
           </a:p>
@@ -511,7 +511,7 @@
           <a:p>
             <a:fld id="{72D84649-876A-46C9-8472-14CB09C070D8}" type="datetimeFigureOut">
               <a:rPr lang="en-US" smtClean="0"/>
-              <a:t>11/11/2024</a:t>
+              <a:t>11/27/2024</a:t>
             </a:fld>
             <a:endParaRPr lang="en-US"/>
           </a:p>
@@ -10643,7 +10643,7 @@
               <a:buSzPct val="70000"/>
             </a:pPr>
             <a:r>
-              <a:rPr lang="en-US" sz="2800" b="1" dirty="0">
+              <a:rPr lang="en-US" sz="2800" b="1" i="1" dirty="0">
                 <a:solidFill>
                   <a:schemeClr val="accent2"/>
                 </a:solidFill>
@@ -10651,7 +10651,7 @@
               </a:rPr>
               <a:t># 7</a:t>
             </a:r>
-            <a:endParaRPr lang="bg-BG" sz="2800" b="1" dirty="0">
+            <a:endParaRPr lang="bg-BG" sz="2800" b="1" i="1" dirty="0">
               <a:solidFill>
                 <a:schemeClr val="accent2"/>
               </a:solidFill>
@@ -10714,10 +10714,10 @@
           </a:lstStyle>
           <a:p>
             <a:r>
-              <a:rPr lang="en-US" dirty="0"/>
+              <a:rPr lang="en-US" i="1" dirty="0"/>
               <a:t># U</a:t>
             </a:r>
-            <a:endParaRPr lang="bg-BG" dirty="0"/>
+            <a:endParaRPr lang="bg-BG" i="1" dirty="0"/>
           </a:p>
         </p:txBody>
       </p:sp>
@@ -13263,7 +13263,7 @@
               <a:buSzPct val="70000"/>
             </a:pPr>
             <a:r>
-              <a:rPr lang="bg-BG" sz="3000" b="1" noProof="1">
+              <a:rPr lang="bg-BG" sz="3000" b="1" i="1" noProof="1">
                 <a:solidFill>
                   <a:schemeClr val="accent4"/>
                 </a:solidFill>
@@ -13273,7 +13273,7 @@
               <a:t>   </a:t>
             </a:r>
             <a:r>
-              <a:rPr lang="en-US" sz="3000" b="1" noProof="1">
+              <a:rPr lang="en-US" sz="3000" b="1" i="1" noProof="1">
                 <a:solidFill>
                   <a:schemeClr val="accent2"/>
                 </a:solidFill>
@@ -13283,7 +13283,7 @@
               <a:t># </a:t>
             </a:r>
             <a:r>
-              <a:rPr lang="bg-BG" sz="3000" b="1" noProof="1" smtClean="0">
+              <a:rPr lang="bg-BG" sz="3000" b="1" i="1" noProof="1" smtClean="0">
                 <a:solidFill>
                   <a:schemeClr val="accent2"/>
                 </a:solidFill>
@@ -13292,7 +13292,7 @@
               </a:rPr>
               <a:t>код</a:t>
             </a:r>
-            <a:endParaRPr lang="pt-BR" sz="3000" b="1" noProof="1">
+            <a:endParaRPr lang="pt-BR" sz="3000" b="1" i="1" noProof="1">
               <a:solidFill>
                 <a:schemeClr val="accent2"/>
               </a:solidFill>
@@ -15179,11 +15179,7 @@
             </a:r>
             <a:r>
               <a:rPr lang="bg-BG" dirty="0" smtClean="0"/>
-              <a:t> </a:t>
-            </a:r>
-            <a:r>
-              <a:rPr lang="bg-BG" dirty="0" smtClean="0"/>
-              <a:t>цикъл</a:t>
+              <a:t> цикъл</a:t>
             </a:r>
           </a:p>
           <a:p>
@@ -24276,7 +24272,7 @@
                 <a:hlinkClick r:id="rId3">
                   <a:extLst>
                     <a:ext uri="{A12FA001-AC4F-418D-AE19-62706E023703}">
-                      <ahyp:hlinkClr xmlns="" xmlns:ahyp="http://schemas.microsoft.com/office/drawing/2018/hyperlinkcolor" val="tx"/>
+                      <ahyp:hlinkClr xmlns:ahyp="http://schemas.microsoft.com/office/drawing/2018/hyperlinkcolor" xmlns="" val="tx"/>
                     </a:ext>
                   </a:extLst>
                 </a:hlinkClick>
@@ -27550,22 +27546,7 @@
                     </a:outerShdw>
                   </a:effectLst>
                 </a:rPr>
-                <a:t>i </a:t>
-              </a:r>
-              <a:r>
-                <a:rPr lang="en-US" sz="2800" b="1" dirty="0" smtClean="0">
-                  <a:solidFill>
-                    <a:srgbClr val="FFFFFF"/>
-                  </a:solidFill>
-                  <a:effectLst>
-                    <a:outerShdw blurRad="38100" dist="38100" dir="2700000" algn="tl">
-                      <a:srgbClr val="000000">
-                        <a:alpha val="43137"/>
-                      </a:srgbClr>
-                    </a:outerShdw>
-                  </a:effectLst>
-                </a:rPr>
-                <a:t>&lt; 13</a:t>
+                <a:t>i &lt; 13</a:t>
               </a:r>
               <a:endParaRPr lang="en-US" sz="2800" b="1" dirty="0">
                 <a:solidFill>
